--- a/Documentation/DemandsPipeline.pptx
+++ b/Documentation/DemandsPipeline.pptx
@@ -243,7 +243,7 @@
           <a:p>
             <a:fld id="{64578AE8-C4CA-4644-BBA4-87B73A9D0173}" type="datetimeFigureOut">
               <a:rPr lang="en-GB" smtClean="0"/>
-              <a:t>24/10/2016</a:t>
+              <a:t>23/08/2018</a:t>
             </a:fld>
             <a:endParaRPr lang="en-GB"/>
           </a:p>
@@ -413,7 +413,7 @@
           <a:p>
             <a:fld id="{64578AE8-C4CA-4644-BBA4-87B73A9D0173}" type="datetimeFigureOut">
               <a:rPr lang="en-GB" smtClean="0"/>
-              <a:t>24/10/2016</a:t>
+              <a:t>23/08/2018</a:t>
             </a:fld>
             <a:endParaRPr lang="en-GB"/>
           </a:p>
@@ -593,7 +593,7 @@
           <a:p>
             <a:fld id="{64578AE8-C4CA-4644-BBA4-87B73A9D0173}" type="datetimeFigureOut">
               <a:rPr lang="en-GB" smtClean="0"/>
-              <a:t>24/10/2016</a:t>
+              <a:t>23/08/2018</a:t>
             </a:fld>
             <a:endParaRPr lang="en-GB"/>
           </a:p>
@@ -763,7 +763,7 @@
           <a:p>
             <a:fld id="{64578AE8-C4CA-4644-BBA4-87B73A9D0173}" type="datetimeFigureOut">
               <a:rPr lang="en-GB" smtClean="0"/>
-              <a:t>24/10/2016</a:t>
+              <a:t>23/08/2018</a:t>
             </a:fld>
             <a:endParaRPr lang="en-GB"/>
           </a:p>
@@ -1009,7 +1009,7 @@
           <a:p>
             <a:fld id="{64578AE8-C4CA-4644-BBA4-87B73A9D0173}" type="datetimeFigureOut">
               <a:rPr lang="en-GB" smtClean="0"/>
-              <a:t>24/10/2016</a:t>
+              <a:t>23/08/2018</a:t>
             </a:fld>
             <a:endParaRPr lang="en-GB"/>
           </a:p>
@@ -1241,7 +1241,7 @@
           <a:p>
             <a:fld id="{64578AE8-C4CA-4644-BBA4-87B73A9D0173}" type="datetimeFigureOut">
               <a:rPr lang="en-GB" smtClean="0"/>
-              <a:t>24/10/2016</a:t>
+              <a:t>23/08/2018</a:t>
             </a:fld>
             <a:endParaRPr lang="en-GB"/>
           </a:p>
@@ -1608,7 +1608,7 @@
           <a:p>
             <a:fld id="{64578AE8-C4CA-4644-BBA4-87B73A9D0173}" type="datetimeFigureOut">
               <a:rPr lang="en-GB" smtClean="0"/>
-              <a:t>24/10/2016</a:t>
+              <a:t>23/08/2018</a:t>
             </a:fld>
             <a:endParaRPr lang="en-GB"/>
           </a:p>
@@ -1726,7 +1726,7 @@
           <a:p>
             <a:fld id="{64578AE8-C4CA-4644-BBA4-87B73A9D0173}" type="datetimeFigureOut">
               <a:rPr lang="en-GB" smtClean="0"/>
-              <a:t>24/10/2016</a:t>
+              <a:t>23/08/2018</a:t>
             </a:fld>
             <a:endParaRPr lang="en-GB"/>
           </a:p>
@@ -1821,7 +1821,7 @@
           <a:p>
             <a:fld id="{64578AE8-C4CA-4644-BBA4-87B73A9D0173}" type="datetimeFigureOut">
               <a:rPr lang="en-GB" smtClean="0"/>
-              <a:t>24/10/2016</a:t>
+              <a:t>23/08/2018</a:t>
             </a:fld>
             <a:endParaRPr lang="en-GB"/>
           </a:p>
@@ -2098,7 +2098,7 @@
           <a:p>
             <a:fld id="{64578AE8-C4CA-4644-BBA4-87B73A9D0173}" type="datetimeFigureOut">
               <a:rPr lang="en-GB" smtClean="0"/>
-              <a:t>24/10/2016</a:t>
+              <a:t>23/08/2018</a:t>
             </a:fld>
             <a:endParaRPr lang="en-GB"/>
           </a:p>
@@ -2351,7 +2351,7 @@
           <a:p>
             <a:fld id="{64578AE8-C4CA-4644-BBA4-87B73A9D0173}" type="datetimeFigureOut">
               <a:rPr lang="en-GB" smtClean="0"/>
-              <a:t>24/10/2016</a:t>
+              <a:t>23/08/2018</a:t>
             </a:fld>
             <a:endParaRPr lang="en-GB"/>
           </a:p>
@@ -2564,7 +2564,7 @@
           <a:p>
             <a:fld id="{64578AE8-C4CA-4644-BBA4-87B73A9D0173}" type="datetimeFigureOut">
               <a:rPr lang="en-GB" smtClean="0"/>
-              <a:t>24/10/2016</a:t>
+              <a:t>23/08/2018</a:t>
             </a:fld>
             <a:endParaRPr lang="en-GB"/>
           </a:p>
@@ -3728,7 +3728,7 @@
         <p:spPr>
           <a:xfrm>
             <a:off x="583049" y="1980381"/>
-            <a:ext cx="1674497" cy="276999"/>
+            <a:ext cx="2264531" cy="276999"/>
           </a:xfrm>
           <a:prstGeom prst="rect">
             <a:avLst/>
@@ -3742,80 +3742,8 @@
           <a:lstStyle/>
           <a:p>
             <a:r>
-              <a:rPr lang="en-US" sz="1200" dirty="0" err="1"/>
-              <a:t>GetDemandedContext</a:t>
-            </a:r>
-            <a:r>
-              <a:rPr lang="en-US" sz="1200" dirty="0"/>
-              <a:t>()</a:t>
-            </a:r>
-            <a:endParaRPr lang="en-GB" sz="1200" dirty="0"/>
-          </a:p>
-        </p:txBody>
-      </p:sp>
-      <p:sp>
-        <p:nvSpPr>
-          <p:cNvPr id="30" name="TextBox 29"/>
-          <p:cNvSpPr txBox="1"/>
-          <p:nvPr/>
-        </p:nvSpPr>
-        <p:spPr>
-          <a:xfrm>
-            <a:off x="583049" y="2165047"/>
-            <a:ext cx="1935594" cy="276999"/>
-          </a:xfrm>
-          <a:prstGeom prst="rect">
-            <a:avLst/>
-          </a:prstGeom>
-          <a:noFill/>
-        </p:spPr>
-        <p:txBody>
-          <a:bodyPr wrap="none" rtlCol="0">
-            <a:spAutoFit/>
-          </a:bodyPr>
-          <a:lstStyle/>
-          <a:p>
-            <a:r>
-              <a:rPr lang="en-US" sz="1200" dirty="0" err="1"/>
-              <a:t>GetDemandedSourceIfAny</a:t>
-            </a:r>
-            <a:r>
-              <a:rPr lang="en-US" sz="1200" dirty="0"/>
-              <a:t>()</a:t>
-            </a:r>
-            <a:endParaRPr lang="en-GB" sz="1200" dirty="0"/>
-          </a:p>
-        </p:txBody>
-      </p:sp>
-      <p:sp>
-        <p:nvSpPr>
-          <p:cNvPr id="31" name="TextBox 30"/>
-          <p:cNvSpPr txBox="1"/>
-          <p:nvPr/>
-        </p:nvSpPr>
-        <p:spPr>
-          <a:xfrm>
-            <a:off x="582326" y="2347385"/>
-            <a:ext cx="2228046" cy="276999"/>
-          </a:xfrm>
-          <a:prstGeom prst="rect">
-            <a:avLst/>
-          </a:prstGeom>
-          <a:noFill/>
-        </p:spPr>
-        <p:txBody>
-          <a:bodyPr wrap="none" rtlCol="0">
-            <a:spAutoFit/>
-          </a:bodyPr>
-          <a:lstStyle/>
-          <a:p>
-            <a:r>
-              <a:rPr lang="en-US" sz="1200" dirty="0" err="1"/>
-              <a:t>GetDemandedDestinationIfAny</a:t>
-            </a:r>
-            <a:r>
-              <a:rPr lang="en-US" sz="1200" dirty="0"/>
-              <a:t>()</a:t>
+              <a:rPr lang="en-US" sz="1200"/>
+              <a:t>GetDesignTimePipelineUseCase()</a:t>
             </a:r>
             <a:endParaRPr lang="en-GB" sz="1200" dirty="0"/>
           </a:p>
@@ -4129,13 +4057,15 @@
       <p:cxnSp>
         <p:nvCxnSpPr>
           <p:cNvPr id="56" name="Straight Arrow Connector 55"/>
-          <p:cNvCxnSpPr/>
+          <p:cNvCxnSpPr>
+            <a:cxnSpLocks/>
+          </p:cNvCxnSpPr>
           <p:nvPr/>
         </p:nvCxnSpPr>
         <p:spPr>
-          <a:xfrm flipV="1">
-            <a:off x="1504191" y="1991557"/>
-            <a:ext cx="0" cy="1885866"/>
+          <a:xfrm flipH="1" flipV="1">
+            <a:off x="1501456" y="2257380"/>
+            <a:ext cx="2735" cy="1620043"/>
           </a:xfrm>
           <a:prstGeom prst="straightConnector1">
             <a:avLst/>
